--- a/analysis&design/eLiquidInventory.pptx
+++ b/analysis&design/eLiquidInventory.pptx
@@ -212,6 +212,7 @@
           <a:p>
             <a:fld id="{7EF94AFA-6431-4B0F-990F-4C3C3D47BABC}" type="datetimeFigureOut">
               <a:rPr lang="ru-RU" smtClean="0"/>
+              <a:pPr/>
               <a:t>25.05.2017</a:t>
             </a:fld>
             <a:endParaRPr lang="ru-RU"/>
@@ -373,6 +374,7 @@
           <a:p>
             <a:fld id="{4340ABD2-5B0D-4291-AAB1-0AC2801A7A19}" type="slidenum">
               <a:rPr lang="ru-RU" smtClean="0"/>
+              <a:pPr/>
               <a:t>‹#›</a:t>
             </a:fld>
             <a:endParaRPr lang="ru-RU"/>
@@ -575,6 +577,7 @@
           <a:p>
             <a:fld id="{4340ABD2-5B0D-4291-AAB1-0AC2801A7A19}" type="slidenum">
               <a:rPr lang="ru-RU" smtClean="0"/>
+              <a:pPr/>
               <a:t>1</a:t>
             </a:fld>
             <a:endParaRPr lang="ru-RU"/>
@@ -664,6 +667,7 @@
           <a:p>
             <a:fld id="{4340ABD2-5B0D-4291-AAB1-0AC2801A7A19}" type="slidenum">
               <a:rPr lang="ru-RU" smtClean="0"/>
+              <a:pPr/>
               <a:t>10</a:t>
             </a:fld>
             <a:endParaRPr lang="ru-RU"/>
@@ -789,6 +793,7 @@
           <a:p>
             <a:fld id="{4340ABD2-5B0D-4291-AAB1-0AC2801A7A19}" type="slidenum">
               <a:rPr lang="ru-RU" smtClean="0"/>
+              <a:pPr/>
               <a:t>11</a:t>
             </a:fld>
             <a:endParaRPr lang="ru-RU"/>
@@ -894,6 +899,7 @@
           <a:p>
             <a:fld id="{4340ABD2-5B0D-4291-AAB1-0AC2801A7A19}" type="slidenum">
               <a:rPr lang="ru-RU" smtClean="0"/>
+              <a:pPr/>
               <a:t>12</a:t>
             </a:fld>
             <a:endParaRPr lang="ru-RU"/>
@@ -1049,6 +1055,7 @@
           <a:p>
             <a:fld id="{4340ABD2-5B0D-4291-AAB1-0AC2801A7A19}" type="slidenum">
               <a:rPr lang="ru-RU" smtClean="0"/>
+              <a:pPr/>
               <a:t>13</a:t>
             </a:fld>
             <a:endParaRPr lang="ru-RU"/>
@@ -1109,58 +1116,7 @@
           </a:bodyPr>
           <a:lstStyle/>
           <a:p>
-            <a:r>
-              <a:rPr lang="ru-RU" dirty="0" smtClean="0"/>
-              <a:t>В планах на будущее – усовершенствование</a:t>
-            </a:r>
-            <a:r>
-              <a:rPr lang="ru-RU" baseline="0" dirty="0" smtClean="0"/>
-              <a:t> проекта через добавление новых </a:t>
-            </a:r>
-            <a:r>
-              <a:rPr lang="ru-RU" baseline="0" dirty="0" err="1" smtClean="0"/>
-              <a:t>фич</a:t>
-            </a:r>
-            <a:r>
-              <a:rPr lang="ru-RU" baseline="0" dirty="0" smtClean="0"/>
-              <a:t>:</a:t>
-            </a:r>
-          </a:p>
-          <a:p>
-            <a:r>
-              <a:rPr lang="ru-RU" baseline="0" dirty="0" smtClean="0"/>
-              <a:t>Рейтинг жидкостей и комментариев к ним</a:t>
-            </a:r>
-          </a:p>
-          <a:p>
-            <a:r>
-              <a:rPr lang="ru-RU" baseline="0" dirty="0" smtClean="0"/>
-              <a:t>Истории замешанных жидкостей</a:t>
-            </a:r>
-          </a:p>
-          <a:p>
-            <a:r>
-              <a:rPr lang="ru-RU" baseline="0" dirty="0" err="1" smtClean="0"/>
-              <a:t>Рефактор</a:t>
-            </a:r>
-            <a:r>
-              <a:rPr lang="ru-RU" baseline="0" dirty="0" smtClean="0"/>
-              <a:t> всего под </a:t>
-            </a:r>
-            <a:r>
-              <a:rPr lang="en-US" baseline="0" dirty="0" smtClean="0"/>
-              <a:t>REST</a:t>
-            </a:r>
-          </a:p>
-          <a:p>
-            <a:r>
-              <a:rPr lang="ru-RU" baseline="0" dirty="0" smtClean="0"/>
-              <a:t>Увеличить </a:t>
-            </a:r>
-            <a:r>
-              <a:rPr lang="en-US" baseline="0" dirty="0" smtClean="0"/>
-              <a:t>JS</a:t>
-            </a:r>
+            <a:endParaRPr lang="ru-RU" dirty="0"/>
           </a:p>
         </p:txBody>
       </p:sp>
@@ -1181,7 +1137,8 @@
           <a:p>
             <a:fld id="{4340ABD2-5B0D-4291-AAB1-0AC2801A7A19}" type="slidenum">
               <a:rPr lang="ru-RU" smtClean="0"/>
-              <a:t>18</a:t>
+              <a:pPr/>
+              <a:t>14</a:t>
             </a:fld>
             <a:endParaRPr lang="ru-RU"/>
           </a:p>
@@ -1243,70 +1200,56 @@
           <a:p>
             <a:r>
               <a:rPr lang="ru-RU" dirty="0" smtClean="0"/>
-              <a:t>За всё это время получили огромный опыт в:</a:t>
-            </a:r>
-          </a:p>
-          <a:p>
-            <a:pPr lvl="1"/>
-            <a:r>
-              <a:rPr lang="ru-RU" dirty="0" smtClean="0"/>
-              <a:t>Проектировании небольших проектов</a:t>
-            </a:r>
-          </a:p>
-          <a:p>
-            <a:pPr lvl="1"/>
-            <a:r>
-              <a:rPr lang="ru-RU" dirty="0" smtClean="0"/>
-              <a:t>Проектировании БД</a:t>
-            </a:r>
-          </a:p>
-          <a:p>
-            <a:pPr lvl="1"/>
-            <a:r>
-              <a:rPr lang="en-US" dirty="0" smtClean="0"/>
-              <a:t>Web</a:t>
-            </a:r>
-            <a:r>
-              <a:rPr lang="ru-RU" dirty="0" smtClean="0"/>
-              <a:t> (</a:t>
-            </a:r>
-            <a:r>
-              <a:rPr lang="ru-RU" dirty="0" err="1" smtClean="0"/>
-              <a:t>фронтенд</a:t>
-            </a:r>
-            <a:r>
-              <a:rPr lang="ru-RU" dirty="0" smtClean="0"/>
-              <a:t> и </a:t>
-            </a:r>
-            <a:r>
-              <a:rPr lang="ru-RU" dirty="0" err="1" smtClean="0"/>
-              <a:t>бэкенд</a:t>
-            </a:r>
-            <a:r>
-              <a:rPr lang="ru-RU" dirty="0" smtClean="0"/>
-              <a:t>)</a:t>
-            </a:r>
-          </a:p>
-          <a:p>
-            <a:pPr lvl="1"/>
-            <a:r>
-              <a:rPr lang="ru-RU" dirty="0" err="1" smtClean="0"/>
-              <a:t>Деплое</a:t>
-            </a:r>
-            <a:r>
-              <a:rPr lang="ru-RU" dirty="0" smtClean="0"/>
-              <a:t> проекта на сервер</a:t>
-            </a:r>
-          </a:p>
-          <a:p>
-            <a:pPr lvl="1"/>
-            <a:r>
-              <a:rPr lang="ru-RU" dirty="0" smtClean="0"/>
-              <a:t>Совместной разработке</a:t>
-            </a:r>
-          </a:p>
-          <a:p>
-            <a:endParaRPr lang="ru-RU" dirty="0"/>
+              <a:t>В планах на будущее – усовершенствование</a:t>
+            </a:r>
+            <a:r>
+              <a:rPr lang="ru-RU" baseline="0" dirty="0" smtClean="0"/>
+              <a:t> проекта через добавление новых </a:t>
+            </a:r>
+            <a:r>
+              <a:rPr lang="ru-RU" baseline="0" dirty="0" err="1" smtClean="0"/>
+              <a:t>фич</a:t>
+            </a:r>
+            <a:r>
+              <a:rPr lang="ru-RU" baseline="0" dirty="0" smtClean="0"/>
+              <a:t>:</a:t>
+            </a:r>
+          </a:p>
+          <a:p>
+            <a:r>
+              <a:rPr lang="ru-RU" baseline="0" dirty="0" smtClean="0"/>
+              <a:t>Рейтинг жидкостей и комментариев к ним</a:t>
+            </a:r>
+          </a:p>
+          <a:p>
+            <a:r>
+              <a:rPr lang="ru-RU" baseline="0" dirty="0" smtClean="0"/>
+              <a:t>Истории замешанных жидкостей</a:t>
+            </a:r>
+          </a:p>
+          <a:p>
+            <a:r>
+              <a:rPr lang="ru-RU" baseline="0" dirty="0" err="1" smtClean="0"/>
+              <a:t>Рефактор</a:t>
+            </a:r>
+            <a:r>
+              <a:rPr lang="ru-RU" baseline="0" dirty="0" smtClean="0"/>
+              <a:t> всего под </a:t>
+            </a:r>
+            <a:r>
+              <a:rPr lang="en-US" baseline="0" dirty="0" smtClean="0"/>
+              <a:t>REST</a:t>
+            </a:r>
+          </a:p>
+          <a:p>
+            <a:r>
+              <a:rPr lang="ru-RU" baseline="0" dirty="0" smtClean="0"/>
+              <a:t>Увеличить </a:t>
+            </a:r>
+            <a:r>
+              <a:rPr lang="en-US" baseline="0" dirty="0" smtClean="0"/>
+              <a:t>JS</a:t>
+            </a:r>
           </a:p>
         </p:txBody>
       </p:sp>
@@ -1327,7 +1270,8 @@
           <a:p>
             <a:fld id="{4340ABD2-5B0D-4291-AAB1-0AC2801A7A19}" type="slidenum">
               <a:rPr lang="ru-RU" smtClean="0"/>
-              <a:t>19</a:t>
+              <a:pPr/>
+              <a:t>18</a:t>
             </a:fld>
             <a:endParaRPr lang="ru-RU"/>
           </a:p>
@@ -1389,6 +1333,153 @@
           <a:p>
             <a:r>
               <a:rPr lang="ru-RU" dirty="0" smtClean="0"/>
+              <a:t>За всё это время получили огромный опыт в:</a:t>
+            </a:r>
+          </a:p>
+          <a:p>
+            <a:pPr lvl="1"/>
+            <a:r>
+              <a:rPr lang="ru-RU" dirty="0" smtClean="0"/>
+              <a:t>Проектировании небольших проектов</a:t>
+            </a:r>
+          </a:p>
+          <a:p>
+            <a:pPr lvl="1"/>
+            <a:r>
+              <a:rPr lang="ru-RU" dirty="0" smtClean="0"/>
+              <a:t>Проектировании БД</a:t>
+            </a:r>
+          </a:p>
+          <a:p>
+            <a:pPr lvl="1"/>
+            <a:r>
+              <a:rPr lang="en-US" dirty="0" smtClean="0"/>
+              <a:t>Web</a:t>
+            </a:r>
+            <a:r>
+              <a:rPr lang="ru-RU" dirty="0" smtClean="0"/>
+              <a:t> (</a:t>
+            </a:r>
+            <a:r>
+              <a:rPr lang="ru-RU" dirty="0" err="1" smtClean="0"/>
+              <a:t>фронтенд</a:t>
+            </a:r>
+            <a:r>
+              <a:rPr lang="ru-RU" dirty="0" smtClean="0"/>
+              <a:t> и </a:t>
+            </a:r>
+            <a:r>
+              <a:rPr lang="ru-RU" dirty="0" err="1" smtClean="0"/>
+              <a:t>бэкенд</a:t>
+            </a:r>
+            <a:r>
+              <a:rPr lang="ru-RU" dirty="0" smtClean="0"/>
+              <a:t>)</a:t>
+            </a:r>
+          </a:p>
+          <a:p>
+            <a:pPr lvl="1"/>
+            <a:r>
+              <a:rPr lang="ru-RU" dirty="0" err="1" smtClean="0"/>
+              <a:t>Деплое</a:t>
+            </a:r>
+            <a:r>
+              <a:rPr lang="ru-RU" dirty="0" smtClean="0"/>
+              <a:t> проекта на сервер</a:t>
+            </a:r>
+          </a:p>
+          <a:p>
+            <a:pPr lvl="1"/>
+            <a:r>
+              <a:rPr lang="ru-RU" dirty="0" smtClean="0"/>
+              <a:t>Совместной разработке</a:t>
+            </a:r>
+          </a:p>
+          <a:p>
+            <a:endParaRPr lang="ru-RU" dirty="0"/>
+          </a:p>
+        </p:txBody>
+      </p:sp>
+      <p:sp>
+        <p:nvSpPr>
+          <p:cNvPr id="4" name="Номер слайда 3"/>
+          <p:cNvSpPr>
+            <a:spLocks noGrp="1"/>
+          </p:cNvSpPr>
+          <p:nvPr>
+            <p:ph type="sldNum" sz="quarter" idx="10"/>
+          </p:nvPr>
+        </p:nvSpPr>
+        <p:spPr/>
+        <p:txBody>
+          <a:bodyPr/>
+          <a:lstStyle/>
+          <a:p>
+            <a:fld id="{4340ABD2-5B0D-4291-AAB1-0AC2801A7A19}" type="slidenum">
+              <a:rPr lang="ru-RU" smtClean="0"/>
+              <a:pPr/>
+              <a:t>19</a:t>
+            </a:fld>
+            <a:endParaRPr lang="ru-RU"/>
+          </a:p>
+        </p:txBody>
+      </p:sp>
+    </p:spTree>
+  </p:cSld>
+  <p:clrMapOvr>
+    <a:masterClrMapping/>
+  </p:clrMapOvr>
+</p:notes>
+</file>
+
+<file path=ppt/notesSlides/notesSlide17.xml><?xml version="1.0" encoding="utf-8"?>
+<p:notes xmlns:a="http://schemas.openxmlformats.org/drawingml/2006/main" xmlns:r="http://schemas.openxmlformats.org/officeDocument/2006/relationships" xmlns:p="http://schemas.openxmlformats.org/presentationml/2006/main">
+  <p:cSld>
+    <p:spTree>
+      <p:nvGrpSpPr>
+        <p:cNvPr id="1" name=""/>
+        <p:cNvGrpSpPr/>
+        <p:nvPr/>
+      </p:nvGrpSpPr>
+      <p:grpSpPr>
+        <a:xfrm>
+          <a:off x="0" y="0"/>
+          <a:ext cx="0" cy="0"/>
+          <a:chOff x="0" y="0"/>
+          <a:chExt cx="0" cy="0"/>
+        </a:xfrm>
+      </p:grpSpPr>
+      <p:sp>
+        <p:nvSpPr>
+          <p:cNvPr id="2" name="Образ слайда 1"/>
+          <p:cNvSpPr>
+            <a:spLocks noGrp="1" noRot="1" noChangeAspect="1"/>
+          </p:cNvSpPr>
+          <p:nvPr>
+            <p:ph type="sldImg"/>
+          </p:nvPr>
+        </p:nvSpPr>
+        <p:spPr/>
+      </p:sp>
+      <p:sp>
+        <p:nvSpPr>
+          <p:cNvPr id="3" name="Заметки 2"/>
+          <p:cNvSpPr>
+            <a:spLocks noGrp="1"/>
+          </p:cNvSpPr>
+          <p:nvPr>
+            <p:ph type="body" idx="1"/>
+          </p:nvPr>
+        </p:nvSpPr>
+        <p:spPr/>
+        <p:txBody>
+          <a:bodyPr>
+            <a:normAutofit/>
+          </a:bodyPr>
+          <a:lstStyle/>
+          <a:p>
+            <a:r>
+              <a:rPr lang="ru-RU" dirty="0" smtClean="0"/>
               <a:t>Отдельная</a:t>
             </a:r>
             <a:r>
@@ -1449,8 +1540,8 @@
               <a:t> папе и родне из </a:t>
             </a:r>
             <a:r>
-              <a:rPr lang="ru-RU" baseline="0" dirty="0" err="1" smtClean="0"/>
-              <a:t>Сыктвкара</a:t>
+              <a:rPr lang="ru-RU" baseline="0" dirty="0" smtClean="0"/>
+              <a:t>Сыктывкара</a:t>
             </a:r>
             <a:r>
               <a:rPr lang="ru-RU" baseline="0" dirty="0" smtClean="0"/>
@@ -1477,6 +1568,7 @@
           <a:p>
             <a:fld id="{4340ABD2-5B0D-4291-AAB1-0AC2801A7A19}" type="slidenum">
               <a:rPr lang="ru-RU" smtClean="0"/>
+              <a:pPr/>
               <a:t>20</a:t>
             </a:fld>
             <a:endParaRPr lang="ru-RU"/>
@@ -1616,6 +1708,7 @@
           <a:p>
             <a:fld id="{4340ABD2-5B0D-4291-AAB1-0AC2801A7A19}" type="slidenum">
               <a:rPr lang="ru-RU" smtClean="0"/>
+              <a:pPr/>
               <a:t>2</a:t>
             </a:fld>
             <a:endParaRPr lang="ru-RU"/>
@@ -1740,6 +1833,7 @@
           <a:p>
             <a:fld id="{4340ABD2-5B0D-4291-AAB1-0AC2801A7A19}" type="slidenum">
               <a:rPr lang="ru-RU" smtClean="0"/>
+              <a:pPr/>
               <a:t>3</a:t>
             </a:fld>
             <a:endParaRPr lang="ru-RU"/>
@@ -1831,6 +1925,7 @@
           <a:p>
             <a:fld id="{4340ABD2-5B0D-4291-AAB1-0AC2801A7A19}" type="slidenum">
               <a:rPr lang="ru-RU" smtClean="0"/>
+              <a:pPr/>
               <a:t>4</a:t>
             </a:fld>
             <a:endParaRPr lang="ru-RU"/>
@@ -1966,6 +2061,7 @@
           <a:p>
             <a:fld id="{4340ABD2-5B0D-4291-AAB1-0AC2801A7A19}" type="slidenum">
               <a:rPr lang="ru-RU" smtClean="0"/>
+              <a:pPr/>
               <a:t>5</a:t>
             </a:fld>
             <a:endParaRPr lang="ru-RU"/>
@@ -2132,6 +2228,7 @@
           <a:p>
             <a:fld id="{4340ABD2-5B0D-4291-AAB1-0AC2801A7A19}" type="slidenum">
               <a:rPr lang="ru-RU" smtClean="0"/>
+              <a:pPr/>
               <a:t>6</a:t>
             </a:fld>
             <a:endParaRPr lang="ru-RU"/>
@@ -2251,6 +2348,7 @@
           <a:p>
             <a:fld id="{4340ABD2-5B0D-4291-AAB1-0AC2801A7A19}" type="slidenum">
               <a:rPr lang="ru-RU" smtClean="0"/>
+              <a:pPr/>
               <a:t>7</a:t>
             </a:fld>
             <a:endParaRPr lang="ru-RU"/>
@@ -2368,6 +2466,7 @@
           <a:p>
             <a:fld id="{4340ABD2-5B0D-4291-AAB1-0AC2801A7A19}" type="slidenum">
               <a:rPr lang="ru-RU" smtClean="0"/>
+              <a:pPr/>
               <a:t>8</a:t>
             </a:fld>
             <a:endParaRPr lang="ru-RU"/>
@@ -2478,6 +2577,7 @@
           <a:p>
             <a:fld id="{4340ABD2-5B0D-4291-AAB1-0AC2801A7A19}" type="slidenum">
               <a:rPr lang="ru-RU" smtClean="0"/>
+              <a:pPr/>
               <a:t>9</a:t>
             </a:fld>
             <a:endParaRPr lang="ru-RU"/>
@@ -2667,6 +2767,7 @@
           <a:p>
             <a:fld id="{4D9A93CD-D775-4B4A-9AE1-6B5E8FCEEF5B}" type="datetimeFigureOut">
               <a:rPr lang="ru-RU" smtClean="0"/>
+              <a:pPr/>
               <a:t>25.05.2017</a:t>
             </a:fld>
             <a:endParaRPr lang="ru-RU"/>
@@ -2719,6 +2820,7 @@
           <a:p>
             <a:fld id="{86E09EAD-D78B-4197-9A38-E01D577DEE2F}" type="slidenum">
               <a:rPr lang="ru-RU" smtClean="0"/>
+              <a:pPr/>
               <a:t>‹#›</a:t>
             </a:fld>
             <a:endParaRPr lang="ru-RU"/>
@@ -2842,6 +2944,7 @@
           <a:p>
             <a:fld id="{4D9A93CD-D775-4B4A-9AE1-6B5E8FCEEF5B}" type="datetimeFigureOut">
               <a:rPr lang="ru-RU" smtClean="0"/>
+              <a:pPr/>
               <a:t>25.05.2017</a:t>
             </a:fld>
             <a:endParaRPr lang="ru-RU"/>
@@ -2884,6 +2987,7 @@
           <a:p>
             <a:fld id="{86E09EAD-D78B-4197-9A38-E01D577DEE2F}" type="slidenum">
               <a:rPr lang="ru-RU" smtClean="0"/>
+              <a:pPr/>
               <a:t>‹#›</a:t>
             </a:fld>
             <a:endParaRPr lang="ru-RU"/>
@@ -3017,6 +3121,7 @@
           <a:p>
             <a:fld id="{4D9A93CD-D775-4B4A-9AE1-6B5E8FCEEF5B}" type="datetimeFigureOut">
               <a:rPr lang="ru-RU" smtClean="0"/>
+              <a:pPr/>
               <a:t>25.05.2017</a:t>
             </a:fld>
             <a:endParaRPr lang="ru-RU"/>
@@ -3059,6 +3164,7 @@
           <a:p>
             <a:fld id="{86E09EAD-D78B-4197-9A38-E01D577DEE2F}" type="slidenum">
               <a:rPr lang="ru-RU" smtClean="0"/>
+              <a:pPr/>
               <a:t>‹#›</a:t>
             </a:fld>
             <a:endParaRPr lang="ru-RU"/>
@@ -3252,6 +3358,7 @@
           <a:p>
             <a:fld id="{4D9A93CD-D775-4B4A-9AE1-6B5E8FCEEF5B}" type="datetimeFigureOut">
               <a:rPr lang="ru-RU" smtClean="0"/>
+              <a:pPr/>
               <a:t>25.05.2017</a:t>
             </a:fld>
             <a:endParaRPr lang="ru-RU"/>
@@ -3294,6 +3401,7 @@
           <a:p>
             <a:fld id="{86E09EAD-D78B-4197-9A38-E01D577DEE2F}" type="slidenum">
               <a:rPr lang="ru-RU" smtClean="0"/>
+              <a:pPr/>
               <a:t>‹#›</a:t>
             </a:fld>
             <a:endParaRPr lang="ru-RU"/>
@@ -3516,6 +3624,7 @@
           <a:p>
             <a:fld id="{4D9A93CD-D775-4B4A-9AE1-6B5E8FCEEF5B}" type="datetimeFigureOut">
               <a:rPr lang="ru-RU" smtClean="0"/>
+              <a:pPr/>
               <a:t>25.05.2017</a:t>
             </a:fld>
             <a:endParaRPr lang="ru-RU"/>
@@ -3568,6 +3677,7 @@
           <a:p>
             <a:fld id="{86E09EAD-D78B-4197-9A38-E01D577DEE2F}" type="slidenum">
               <a:rPr lang="ru-RU" smtClean="0"/>
+              <a:pPr/>
               <a:t>‹#›</a:t>
             </a:fld>
             <a:endParaRPr lang="ru-RU"/>
@@ -3736,6 +3846,7 @@
           <a:p>
             <a:fld id="{4D9A93CD-D775-4B4A-9AE1-6B5E8FCEEF5B}" type="datetimeFigureOut">
               <a:rPr lang="ru-RU" smtClean="0"/>
+              <a:pPr/>
               <a:t>25.05.2017</a:t>
             </a:fld>
             <a:endParaRPr lang="ru-RU"/>
@@ -3778,6 +3889,7 @@
           <a:p>
             <a:fld id="{86E09EAD-D78B-4197-9A38-E01D577DEE2F}" type="slidenum">
               <a:rPr lang="ru-RU" smtClean="0"/>
+              <a:pPr/>
               <a:t>‹#›</a:t>
             </a:fld>
             <a:endParaRPr lang="ru-RU"/>
@@ -4088,6 +4200,7 @@
           <a:p>
             <a:fld id="{4D9A93CD-D775-4B4A-9AE1-6B5E8FCEEF5B}" type="datetimeFigureOut">
               <a:rPr lang="ru-RU" smtClean="0"/>
+              <a:pPr/>
               <a:t>25.05.2017</a:t>
             </a:fld>
             <a:endParaRPr lang="ru-RU"/>
@@ -4130,6 +4243,7 @@
           <a:p>
             <a:fld id="{86E09EAD-D78B-4197-9A38-E01D577DEE2F}" type="slidenum">
               <a:rPr lang="ru-RU" smtClean="0"/>
+              <a:pPr/>
               <a:t>‹#›</a:t>
             </a:fld>
             <a:endParaRPr lang="ru-RU"/>
@@ -4320,6 +4434,7 @@
           <a:p>
             <a:fld id="{4D9A93CD-D775-4B4A-9AE1-6B5E8FCEEF5B}" type="datetimeFigureOut">
               <a:rPr lang="ru-RU" smtClean="0"/>
+              <a:pPr/>
               <a:t>25.05.2017</a:t>
             </a:fld>
             <a:endParaRPr lang="ru-RU"/>
@@ -4362,6 +4477,7 @@
           <a:p>
             <a:fld id="{86E09EAD-D78B-4197-9A38-E01D577DEE2F}" type="slidenum">
               <a:rPr lang="ru-RU" smtClean="0"/>
+              <a:pPr/>
               <a:t>‹#›</a:t>
             </a:fld>
             <a:endParaRPr lang="ru-RU"/>
@@ -4460,6 +4576,7 @@
           <a:p>
             <a:fld id="{4D9A93CD-D775-4B4A-9AE1-6B5E8FCEEF5B}" type="datetimeFigureOut">
               <a:rPr lang="ru-RU" smtClean="0"/>
+              <a:pPr/>
               <a:t>25.05.2017</a:t>
             </a:fld>
             <a:endParaRPr lang="ru-RU"/>
@@ -4502,6 +4619,7 @@
           <a:p>
             <a:fld id="{86E09EAD-D78B-4197-9A38-E01D577DEE2F}" type="slidenum">
               <a:rPr lang="ru-RU" smtClean="0"/>
+              <a:pPr/>
               <a:t>‹#›</a:t>
             </a:fld>
             <a:endParaRPr lang="ru-RU"/>
@@ -4737,6 +4855,7 @@
           <a:p>
             <a:fld id="{4D9A93CD-D775-4B4A-9AE1-6B5E8FCEEF5B}" type="datetimeFigureOut">
               <a:rPr lang="ru-RU" smtClean="0"/>
+              <a:pPr/>
               <a:t>25.05.2017</a:t>
             </a:fld>
             <a:endParaRPr lang="ru-RU"/>
@@ -4779,6 +4898,7 @@
           <a:p>
             <a:fld id="{86E09EAD-D78B-4197-9A38-E01D577DEE2F}" type="slidenum">
               <a:rPr lang="ru-RU" smtClean="0"/>
+              <a:pPr/>
               <a:t>‹#›</a:t>
             </a:fld>
             <a:endParaRPr lang="ru-RU"/>
@@ -5139,6 +5259,7 @@
           <a:p>
             <a:fld id="{4D9A93CD-D775-4B4A-9AE1-6B5E8FCEEF5B}" type="datetimeFigureOut">
               <a:rPr lang="ru-RU" smtClean="0"/>
+              <a:pPr/>
               <a:t>25.05.2017</a:t>
             </a:fld>
             <a:endParaRPr lang="ru-RU"/>
@@ -5181,6 +5302,7 @@
           <a:p>
             <a:fld id="{86E09EAD-D78B-4197-9A38-E01D577DEE2F}" type="slidenum">
               <a:rPr lang="ru-RU" smtClean="0"/>
+              <a:pPr/>
               <a:t>‹#›</a:t>
             </a:fld>
             <a:endParaRPr lang="ru-RU"/>
@@ -5333,7 +5455,7 @@
     <p:bg>
       <p:bgPr>
         <a:solidFill>
-          <a:srgbClr val="FFB9DC"/>
+          <a:schemeClr val="bg1"/>
         </a:solidFill>
         <a:effectLst/>
       </p:bgPr>
@@ -5480,6 +5602,7 @@
           <a:p>
             <a:fld id="{4D9A93CD-D775-4B4A-9AE1-6B5E8FCEEF5B}" type="datetimeFigureOut">
               <a:rPr lang="ru-RU" smtClean="0"/>
+              <a:pPr/>
               <a:t>25.05.2017</a:t>
             </a:fld>
             <a:endParaRPr lang="ru-RU"/>
@@ -5554,6 +5677,7 @@
           <a:p>
             <a:fld id="{86E09EAD-D78B-4197-9A38-E01D577DEE2F}" type="slidenum">
               <a:rPr lang="ru-RU" smtClean="0"/>
+              <a:pPr/>
               <a:t>‹#›</a:t>
             </a:fld>
             <a:endParaRPr lang="ru-RU"/>
@@ -6162,6 +6286,13 @@
   <p:clrMapOvr>
     <a:masterClrMapping/>
   </p:clrMapOvr>
+  <p:timing>
+    <p:tnLst>
+      <p:par>
+        <p:cTn id="1" dur="indefinite" restart="never" nodeType="tmRoot"/>
+      </p:par>
+    </p:tnLst>
+  </p:timing>
 </p:sld>
 </file>
 
@@ -6552,21 +6683,14 @@
           </a:p>
           <a:p>
             <a:r>
-              <a:rPr lang="ru-RU" dirty="0" err="1" smtClean="0"/>
-              <a:t>Крафт</a:t>
-            </a:r>
-            <a:r>
               <a:rPr lang="ru-RU" dirty="0" smtClean="0"/>
-              <a:t> жидкостей по рецепту с расчётом необходимого количества </a:t>
-            </a:r>
-            <a:r>
-              <a:rPr lang="ru-RU" dirty="0" err="1" smtClean="0"/>
-              <a:t>ароматизаторов</a:t>
+              <a:t>Расчет </a:t>
             </a:r>
             <a:r>
               <a:rPr lang="ru-RU" dirty="0" smtClean="0"/>
-              <a:t> и вычета этого количества из имеющегося в инвентаре</a:t>
-            </a:r>
+              <a:t>остатков в инвентаре, после создания жидкости по рецепту</a:t>
+            </a:r>
+            <a:endParaRPr lang="ru-RU" dirty="0" smtClean="0"/>
           </a:p>
         </p:txBody>
       </p:sp>
@@ -6644,7 +6768,7 @@
           <p:nvPr/>
         </p:nvPicPr>
         <p:blipFill>
-          <a:blip r:embed="rId2" cstate="print"/>
+          <a:blip r:embed="rId3" cstate="print"/>
           <a:srcRect/>
           <a:stretch>
             <a:fillRect/>
@@ -6672,6 +6796,13 @@
   <p:clrMapOvr>
     <a:masterClrMapping/>
   </p:clrMapOvr>
+  <p:timing>
+    <p:tnLst>
+      <p:par>
+        <p:cTn id="1" dur="indefinite" restart="never" nodeType="tmRoot"/>
+      </p:par>
+    </p:tnLst>
+  </p:timing>
 </p:sld>
 </file>
 
@@ -6711,11 +6842,7 @@
           <a:p>
             <a:r>
               <a:rPr lang="ru-RU" dirty="0" smtClean="0"/>
-              <a:t>Создания рецептов </a:t>
-            </a:r>
-            <a:r>
-              <a:rPr lang="ru-RU" dirty="0" smtClean="0"/>
-              <a:t>жидкостей</a:t>
+              <a:t>Создания рецептов жидкостей</a:t>
             </a:r>
             <a:endParaRPr lang="ru-RU" dirty="0"/>
           </a:p>
@@ -6790,6 +6917,13 @@
   <p:clrMapOvr>
     <a:masterClrMapping/>
   </p:clrMapOvr>
+  <p:timing>
+    <p:tnLst>
+      <p:par>
+        <p:cTn id="1" dur="indefinite" restart="never" nodeType="tmRoot"/>
+      </p:par>
+    </p:tnLst>
+  </p:timing>
 </p:sld>
 </file>
 
@@ -6829,11 +6963,7 @@
           <a:p>
             <a:r>
               <a:rPr lang="ru-RU" dirty="0" smtClean="0"/>
-              <a:t>Добавление рецептов в </a:t>
-            </a:r>
-            <a:r>
-              <a:rPr lang="ru-RU" dirty="0" smtClean="0"/>
-              <a:t>избранное</a:t>
+              <a:t>Добавление рецептов в избранное</a:t>
             </a:r>
             <a:endParaRPr lang="ru-RU" dirty="0"/>
           </a:p>
@@ -6940,6 +7070,13 @@
   <p:clrMapOvr>
     <a:masterClrMapping/>
   </p:clrMapOvr>
+  <p:timing>
+    <p:tnLst>
+      <p:par>
+        <p:cTn id="1" dur="indefinite" restart="never" nodeType="tmRoot"/>
+      </p:par>
+    </p:tnLst>
+  </p:timing>
 </p:sld>
 </file>
 
@@ -7088,6 +7225,13 @@
   <p:clrMapOvr>
     <a:masterClrMapping/>
   </p:clrMapOvr>
+  <p:timing>
+    <p:tnLst>
+      <p:par>
+        <p:cTn id="1" dur="indefinite" restart="never" nodeType="tmRoot"/>
+      </p:par>
+    </p:tnLst>
+  </p:timing>
 </p:sld>
 </file>
 
@@ -7189,6 +7333,13 @@
   <p:clrMapOvr>
     <a:masterClrMapping/>
   </p:clrMapOvr>
+  <p:timing>
+    <p:tnLst>
+      <p:par>
+        <p:cTn id="1" dur="indefinite" restart="never" nodeType="tmRoot"/>
+      </p:par>
+    </p:tnLst>
+  </p:timing>
 </p:sld>
 </file>
 
@@ -7324,6 +7475,13 @@
   <p:clrMapOvr>
     <a:masterClrMapping/>
   </p:clrMapOvr>
+  <p:timing>
+    <p:tnLst>
+      <p:par>
+        <p:cTn id="1" dur="indefinite" restart="never" nodeType="tmRoot"/>
+      </p:par>
+    </p:tnLst>
+  </p:timing>
 </p:sld>
 </file>
 
@@ -7385,16 +7543,96 @@
           <a:lstStyle/>
           <a:p>
             <a:r>
+              <a:rPr lang="ru-RU" dirty="0" smtClean="0"/>
+              <a:t>Проблема</a:t>
+            </a:r>
+            <a:r>
+              <a:rPr lang="ru-RU" dirty="0" smtClean="0"/>
+              <a:t>:</a:t>
+            </a:r>
+            <a:r>
+              <a:rPr lang="ru-RU" dirty="0" smtClean="0"/>
+              <a:t>	Сложно следить </a:t>
+            </a:r>
+            <a:r>
+              <a:rPr lang="ru-RU" dirty="0" smtClean="0"/>
+              <a:t>за имеющимся </a:t>
+            </a:r>
+            <a:r>
+              <a:rPr lang="ru-RU" dirty="0" smtClean="0"/>
+              <a:t>количеством </a:t>
+            </a:r>
+            <a:r>
+              <a:rPr lang="ru-RU" dirty="0" smtClean="0"/>
+              <a:t>нужных для рецепта ингредиентов</a:t>
+            </a:r>
+            <a:endParaRPr lang="ru-RU" dirty="0" smtClean="0"/>
+          </a:p>
+          <a:p>
+            <a:r>
+              <a:rPr lang="ru-RU" dirty="0" smtClean="0"/>
+              <a:t>Основные </a:t>
+            </a:r>
+            <a:r>
+              <a:rPr lang="ru-RU" dirty="0" smtClean="0"/>
+              <a:t>компоненты жидкости:</a:t>
+            </a:r>
+          </a:p>
+          <a:p>
+            <a:pPr lvl="1"/>
+            <a:r>
+              <a:rPr lang="ru-RU" dirty="0" smtClean="0"/>
+              <a:t>Глицерин</a:t>
+            </a:r>
+          </a:p>
+          <a:p>
+            <a:pPr lvl="1"/>
+            <a:r>
+              <a:rPr lang="ru-RU" dirty="0" err="1" smtClean="0"/>
+              <a:t>Пропиленгликоль</a:t>
+            </a:r>
+            <a:endParaRPr lang="ru-RU" dirty="0" smtClean="0"/>
+          </a:p>
+          <a:p>
+            <a:pPr lvl="1"/>
+            <a:r>
+              <a:rPr lang="ru-RU" dirty="0" err="1" smtClean="0"/>
+              <a:t>Ароматизаторы</a:t>
+            </a:r>
+            <a:endParaRPr lang="ru-RU" dirty="0" smtClean="0"/>
+          </a:p>
+          <a:p>
+            <a:pPr lvl="1"/>
+            <a:r>
+              <a:rPr lang="ru-RU" dirty="0" smtClean="0"/>
+              <a:t>Никотин</a:t>
+            </a:r>
+            <a:endParaRPr lang="ru-RU" dirty="0" smtClean="0"/>
+          </a:p>
+          <a:p>
+            <a:r>
+              <a:rPr lang="ru-RU" dirty="0" smtClean="0"/>
+              <a:t>Задача: разработать </a:t>
+            </a:r>
+            <a:r>
               <a:rPr lang="en-US" dirty="0" smtClean="0"/>
-              <a:t>Web</a:t>
+              <a:t>web</a:t>
             </a:r>
             <a:r>
               <a:rPr lang="ru-RU" dirty="0" smtClean="0"/>
-              <a:t>-ресурс, являющийся </a:t>
+              <a:t>-сервис, </a:t>
             </a:r>
             <a:r>
               <a:rPr lang="ru-RU" dirty="0" smtClean="0"/>
-              <a:t>базой данных рецептов жидкостей для </a:t>
+              <a:t>являющийся базой </a:t>
+            </a:r>
+            <a:r>
+              <a:rPr lang="ru-RU" dirty="0" smtClean="0"/>
+              <a:t>рецептов </a:t>
+            </a:r>
+            <a:r>
+              <a:rPr lang="ru-RU" dirty="0" smtClean="0"/>
+              <a:t>жидкостей для </a:t>
             </a:r>
             <a:r>
               <a:rPr lang="ru-RU" dirty="0" err="1" smtClean="0"/>
@@ -7410,64 +7648,14 @@
             </a:r>
             <a:r>
               <a:rPr lang="ru-RU" dirty="0" smtClean="0"/>
-              <a:t>инвентарь ингредиентов</a:t>
-            </a:r>
-          </a:p>
-          <a:p>
-            <a:r>
-              <a:rPr lang="ru-RU" dirty="0" smtClean="0"/>
-              <a:t>Основные компоненты жидкости:</a:t>
-            </a:r>
-          </a:p>
-          <a:p>
-            <a:pPr lvl="1"/>
-            <a:r>
-              <a:rPr lang="ru-RU" dirty="0" smtClean="0"/>
-              <a:t>Глицерин</a:t>
-            </a:r>
-          </a:p>
-          <a:p>
-            <a:pPr lvl="1"/>
-            <a:r>
-              <a:rPr lang="ru-RU" dirty="0" err="1" smtClean="0"/>
-              <a:t>Пропиленгликоль</a:t>
+              <a:t>инвентарём имеющихся ингредиентов</a:t>
             </a:r>
             <a:endParaRPr lang="ru-RU" dirty="0" smtClean="0"/>
-          </a:p>
-          <a:p>
-            <a:pPr lvl="1"/>
-            <a:r>
-              <a:rPr lang="ru-RU" dirty="0" err="1" smtClean="0"/>
-              <a:t>Ароматизаторы</a:t>
-            </a:r>
-            <a:endParaRPr lang="ru-RU" dirty="0" smtClean="0"/>
-          </a:p>
-          <a:p>
-            <a:pPr lvl="1"/>
-            <a:r>
-              <a:rPr lang="ru-RU" dirty="0" smtClean="0"/>
-              <a:t>Никотин</a:t>
-            </a:r>
-            <a:endParaRPr lang="ru-RU" dirty="0" smtClean="0"/>
-          </a:p>
-          <a:p>
-            <a:r>
-              <a:rPr lang="ru-RU" dirty="0" smtClean="0"/>
-              <a:t>Проблема:</a:t>
-            </a:r>
           </a:p>
           <a:p>
             <a:pPr>
               <a:buNone/>
             </a:pPr>
-            <a:r>
-              <a:rPr lang="ru-RU" dirty="0" smtClean="0"/>
-              <a:t>	Сложно следить за количеством и остатками имеющихся </a:t>
-            </a:r>
-            <a:r>
-              <a:rPr lang="ru-RU" dirty="0" err="1" smtClean="0"/>
-              <a:t>ароматизаторов</a:t>
-            </a:r>
             <a:endParaRPr lang="ru-RU" dirty="0" smtClean="0"/>
           </a:p>
         </p:txBody>
@@ -7585,6 +7773,13 @@
   <p:clrMapOvr>
     <a:masterClrMapping/>
   </p:clrMapOvr>
+  <p:timing>
+    <p:tnLst>
+      <p:par>
+        <p:cTn id="1" dur="indefinite" restart="never" nodeType="tmRoot"/>
+      </p:par>
+    </p:tnLst>
+  </p:timing>
 </p:sld>
 </file>
 
@@ -7615,7 +7810,12 @@
             <p:ph type="title"/>
           </p:nvPr>
         </p:nvSpPr>
-        <p:spPr/>
+        <p:spPr>
+          <a:xfrm>
+            <a:off x="2555776" y="2564904"/>
+            <a:ext cx="4402832" cy="990600"/>
+          </a:xfrm>
+        </p:spPr>
         <p:txBody>
           <a:bodyPr/>
           <a:lstStyle/>
@@ -7633,6 +7833,13 @@
   <p:clrMapOvr>
     <a:masterClrMapping/>
   </p:clrMapOvr>
+  <p:timing>
+    <p:tnLst>
+      <p:par>
+        <p:cTn id="1" dur="indefinite" restart="never" nodeType="tmRoot"/>
+      </p:par>
+    </p:tnLst>
+  </p:timing>
 </p:sld>
 </file>
 
@@ -7713,6 +7920,13 @@
   <p:clrMapOvr>
     <a:masterClrMapping/>
   </p:clrMapOvr>
+  <p:timing>
+    <p:tnLst>
+      <p:par>
+        <p:cTn id="1" dur="indefinite" restart="never" nodeType="tmRoot"/>
+      </p:par>
+    </p:tnLst>
+  </p:timing>
 </p:sld>
 </file>
 
@@ -7823,6 +8037,13 @@
   <p:clrMapOvr>
     <a:masterClrMapping/>
   </p:clrMapOvr>
+  <p:timing>
+    <p:tnLst>
+      <p:par>
+        <p:cTn id="1" dur="indefinite" restart="never" nodeType="tmRoot"/>
+      </p:par>
+    </p:tnLst>
+  </p:timing>
 </p:sld>
 </file>
 
@@ -9121,6 +9342,13 @@
   <p:clrMapOvr>
     <a:masterClrMapping/>
   </p:clrMapOvr>
+  <p:timing>
+    <p:tnLst>
+      <p:par>
+        <p:cTn id="1" dur="indefinite" restart="never" nodeType="tmRoot"/>
+      </p:par>
+    </p:tnLst>
+  </p:timing>
 </p:sld>
 </file>
 
